--- a/materials/ch02/ch02_1-小程序与开发环境.pptx
+++ b/materials/ch02/ch02_1-小程序与开发环境.pptx
@@ -299,7 +299,7 @@
           <a:p>
             <a:fld id="{BBF6169D-416D-4C06-B08B-5CE62A641987}" type="datetimeFigureOut">
               <a:rPr lang="zh-CN" altLang="en-US" smtClean="0"/>
-              <a:t>2019/8/27</a:t>
+              <a:t>2019/8/31</a:t>
             </a:fld>
             <a:endParaRPr lang="zh-CN" altLang="en-US"/>
           </a:p>
@@ -497,7 +497,7 @@
           <a:p>
             <a:fld id="{BBF6169D-416D-4C06-B08B-5CE62A641987}" type="datetimeFigureOut">
               <a:rPr lang="zh-CN" altLang="en-US" smtClean="0"/>
-              <a:t>2019/8/27</a:t>
+              <a:t>2019/8/31</a:t>
             </a:fld>
             <a:endParaRPr lang="zh-CN" altLang="en-US"/>
           </a:p>
@@ -705,7 +705,7 @@
           <a:p>
             <a:fld id="{BBF6169D-416D-4C06-B08B-5CE62A641987}" type="datetimeFigureOut">
               <a:rPr lang="zh-CN" altLang="en-US" smtClean="0"/>
-              <a:t>2019/8/27</a:t>
+              <a:t>2019/8/31</a:t>
             </a:fld>
             <a:endParaRPr lang="zh-CN" altLang="en-US"/>
           </a:p>
@@ -903,7 +903,7 @@
           <a:p>
             <a:fld id="{BBF6169D-416D-4C06-B08B-5CE62A641987}" type="datetimeFigureOut">
               <a:rPr lang="zh-CN" altLang="en-US" smtClean="0"/>
-              <a:t>2019/8/27</a:t>
+              <a:t>2019/8/31</a:t>
             </a:fld>
             <a:endParaRPr lang="zh-CN" altLang="en-US"/>
           </a:p>
@@ -1178,7 +1178,7 @@
           <a:p>
             <a:fld id="{BBF6169D-416D-4C06-B08B-5CE62A641987}" type="datetimeFigureOut">
               <a:rPr lang="zh-CN" altLang="en-US" smtClean="0"/>
-              <a:t>2019/8/27</a:t>
+              <a:t>2019/8/31</a:t>
             </a:fld>
             <a:endParaRPr lang="zh-CN" altLang="en-US"/>
           </a:p>
@@ -1443,7 +1443,7 @@
           <a:p>
             <a:fld id="{BBF6169D-416D-4C06-B08B-5CE62A641987}" type="datetimeFigureOut">
               <a:rPr lang="zh-CN" altLang="en-US" smtClean="0"/>
-              <a:t>2019/8/27</a:t>
+              <a:t>2019/8/31</a:t>
             </a:fld>
             <a:endParaRPr lang="zh-CN" altLang="en-US"/>
           </a:p>
@@ -1855,7 +1855,7 @@
           <a:p>
             <a:fld id="{BBF6169D-416D-4C06-B08B-5CE62A641987}" type="datetimeFigureOut">
               <a:rPr lang="zh-CN" altLang="en-US" smtClean="0"/>
-              <a:t>2019/8/27</a:t>
+              <a:t>2019/8/31</a:t>
             </a:fld>
             <a:endParaRPr lang="zh-CN" altLang="en-US"/>
           </a:p>
@@ -1996,7 +1996,7 @@
           <a:p>
             <a:fld id="{BBF6169D-416D-4C06-B08B-5CE62A641987}" type="datetimeFigureOut">
               <a:rPr lang="zh-CN" altLang="en-US" smtClean="0"/>
-              <a:t>2019/8/27</a:t>
+              <a:t>2019/8/31</a:t>
             </a:fld>
             <a:endParaRPr lang="zh-CN" altLang="en-US"/>
           </a:p>
@@ -2109,7 +2109,7 @@
           <a:p>
             <a:fld id="{BBF6169D-416D-4C06-B08B-5CE62A641987}" type="datetimeFigureOut">
               <a:rPr lang="zh-CN" altLang="en-US" smtClean="0"/>
-              <a:t>2019/8/27</a:t>
+              <a:t>2019/8/31</a:t>
             </a:fld>
             <a:endParaRPr lang="zh-CN" altLang="en-US"/>
           </a:p>
@@ -2420,7 +2420,7 @@
           <a:p>
             <a:fld id="{BBF6169D-416D-4C06-B08B-5CE62A641987}" type="datetimeFigureOut">
               <a:rPr lang="zh-CN" altLang="en-US" smtClean="0"/>
-              <a:t>2019/8/27</a:t>
+              <a:t>2019/8/31</a:t>
             </a:fld>
             <a:endParaRPr lang="zh-CN" altLang="en-US"/>
           </a:p>
@@ -2708,7 +2708,7 @@
           <a:p>
             <a:fld id="{BBF6169D-416D-4C06-B08B-5CE62A641987}" type="datetimeFigureOut">
               <a:rPr lang="zh-CN" altLang="en-US" smtClean="0"/>
-              <a:t>2019/8/27</a:t>
+              <a:t>2019/8/31</a:t>
             </a:fld>
             <a:endParaRPr lang="zh-CN" altLang="en-US"/>
           </a:p>
@@ -2949,7 +2949,7 @@
           <a:p>
             <a:fld id="{BBF6169D-416D-4C06-B08B-5CE62A641987}" type="datetimeFigureOut">
               <a:rPr lang="zh-CN" altLang="en-US" smtClean="0"/>
-              <a:t>2019/8/27</a:t>
+              <a:t>2019/8/31</a:t>
             </a:fld>
             <a:endParaRPr lang="zh-CN" altLang="en-US"/>
           </a:p>
@@ -4704,7 +4704,7 @@
           <a:p>
             <a:r>
               <a:rPr lang="zh-CN" altLang="en-US" dirty="0"/>
-              <a:t>小程序注册流程和之前的微信公众号注册流程一致。</a:t>
+              <a:t>小程序注册流程和微信公众号注册流程一致。</a:t>
             </a:r>
             <a:endParaRPr lang="en-US" altLang="zh-CN" dirty="0"/>
           </a:p>

--- a/materials/ch02/ch02_1-小程序与开发环境.pptx
+++ b/materials/ch02/ch02_1-小程序与开发环境.pptx
@@ -299,7 +299,7 @@
           <a:p>
             <a:fld id="{BBF6169D-416D-4C06-B08B-5CE62A641987}" type="datetimeFigureOut">
               <a:rPr lang="zh-CN" altLang="en-US" smtClean="0"/>
-              <a:t>2019/8/31</a:t>
+              <a:t>2019/9/3</a:t>
             </a:fld>
             <a:endParaRPr lang="zh-CN" altLang="en-US"/>
           </a:p>
@@ -497,7 +497,7 @@
           <a:p>
             <a:fld id="{BBF6169D-416D-4C06-B08B-5CE62A641987}" type="datetimeFigureOut">
               <a:rPr lang="zh-CN" altLang="en-US" smtClean="0"/>
-              <a:t>2019/8/31</a:t>
+              <a:t>2019/9/3</a:t>
             </a:fld>
             <a:endParaRPr lang="zh-CN" altLang="en-US"/>
           </a:p>
@@ -705,7 +705,7 @@
           <a:p>
             <a:fld id="{BBF6169D-416D-4C06-B08B-5CE62A641987}" type="datetimeFigureOut">
               <a:rPr lang="zh-CN" altLang="en-US" smtClean="0"/>
-              <a:t>2019/8/31</a:t>
+              <a:t>2019/9/3</a:t>
             </a:fld>
             <a:endParaRPr lang="zh-CN" altLang="en-US"/>
           </a:p>
@@ -903,7 +903,7 @@
           <a:p>
             <a:fld id="{BBF6169D-416D-4C06-B08B-5CE62A641987}" type="datetimeFigureOut">
               <a:rPr lang="zh-CN" altLang="en-US" smtClean="0"/>
-              <a:t>2019/8/31</a:t>
+              <a:t>2019/9/3</a:t>
             </a:fld>
             <a:endParaRPr lang="zh-CN" altLang="en-US"/>
           </a:p>
@@ -1178,7 +1178,7 @@
           <a:p>
             <a:fld id="{BBF6169D-416D-4C06-B08B-5CE62A641987}" type="datetimeFigureOut">
               <a:rPr lang="zh-CN" altLang="en-US" smtClean="0"/>
-              <a:t>2019/8/31</a:t>
+              <a:t>2019/9/3</a:t>
             </a:fld>
             <a:endParaRPr lang="zh-CN" altLang="en-US"/>
           </a:p>
@@ -1443,7 +1443,7 @@
           <a:p>
             <a:fld id="{BBF6169D-416D-4C06-B08B-5CE62A641987}" type="datetimeFigureOut">
               <a:rPr lang="zh-CN" altLang="en-US" smtClean="0"/>
-              <a:t>2019/8/31</a:t>
+              <a:t>2019/9/3</a:t>
             </a:fld>
             <a:endParaRPr lang="zh-CN" altLang="en-US"/>
           </a:p>
@@ -1855,7 +1855,7 @@
           <a:p>
             <a:fld id="{BBF6169D-416D-4C06-B08B-5CE62A641987}" type="datetimeFigureOut">
               <a:rPr lang="zh-CN" altLang="en-US" smtClean="0"/>
-              <a:t>2019/8/31</a:t>
+              <a:t>2019/9/3</a:t>
             </a:fld>
             <a:endParaRPr lang="zh-CN" altLang="en-US"/>
           </a:p>
@@ -1996,7 +1996,7 @@
           <a:p>
             <a:fld id="{BBF6169D-416D-4C06-B08B-5CE62A641987}" type="datetimeFigureOut">
               <a:rPr lang="zh-CN" altLang="en-US" smtClean="0"/>
-              <a:t>2019/8/31</a:t>
+              <a:t>2019/9/3</a:t>
             </a:fld>
             <a:endParaRPr lang="zh-CN" altLang="en-US"/>
           </a:p>
@@ -2109,7 +2109,7 @@
           <a:p>
             <a:fld id="{BBF6169D-416D-4C06-B08B-5CE62A641987}" type="datetimeFigureOut">
               <a:rPr lang="zh-CN" altLang="en-US" smtClean="0"/>
-              <a:t>2019/8/31</a:t>
+              <a:t>2019/9/3</a:t>
             </a:fld>
             <a:endParaRPr lang="zh-CN" altLang="en-US"/>
           </a:p>
@@ -2420,7 +2420,7 @@
           <a:p>
             <a:fld id="{BBF6169D-416D-4C06-B08B-5CE62A641987}" type="datetimeFigureOut">
               <a:rPr lang="zh-CN" altLang="en-US" smtClean="0"/>
-              <a:t>2019/8/31</a:t>
+              <a:t>2019/9/3</a:t>
             </a:fld>
             <a:endParaRPr lang="zh-CN" altLang="en-US"/>
           </a:p>
@@ -2708,7 +2708,7 @@
           <a:p>
             <a:fld id="{BBF6169D-416D-4C06-B08B-5CE62A641987}" type="datetimeFigureOut">
               <a:rPr lang="zh-CN" altLang="en-US" smtClean="0"/>
-              <a:t>2019/8/31</a:t>
+              <a:t>2019/9/3</a:t>
             </a:fld>
             <a:endParaRPr lang="zh-CN" altLang="en-US"/>
           </a:p>
@@ -2949,7 +2949,7 @@
           <a:p>
             <a:fld id="{BBF6169D-416D-4C06-B08B-5CE62A641987}" type="datetimeFigureOut">
               <a:rPr lang="zh-CN" altLang="en-US" smtClean="0"/>
-              <a:t>2019/8/31</a:t>
+              <a:t>2019/9/3</a:t>
             </a:fld>
             <a:endParaRPr lang="zh-CN" altLang="en-US"/>
           </a:p>
@@ -4702,6 +4702,11 @@
           <a:bodyPr/>
           <a:lstStyle/>
           <a:p>
+            <a:pPr>
+              <a:lnSpc>
+                <a:spcPts val="3800"/>
+              </a:lnSpc>
+            </a:pPr>
             <a:r>
               <a:rPr lang="zh-CN" altLang="en-US" dirty="0"/>
               <a:t>小程序注册流程和微信公众号注册流程一致。</a:t>
@@ -4709,9 +4714,11 @@
             <a:endParaRPr lang="en-US" altLang="zh-CN" dirty="0"/>
           </a:p>
           <a:p>
-            <a:endParaRPr lang="en-US" altLang="zh-CN" dirty="0"/>
-          </a:p>
-          <a:p>
+            <a:pPr>
+              <a:lnSpc>
+                <a:spcPts val="3800"/>
+              </a:lnSpc>
+            </a:pPr>
             <a:r>
               <a:rPr lang="zh-CN" altLang="en-US" dirty="0"/>
               <a:t>只是在注册时选择类型为小程序。</a:t>
@@ -4719,13 +4726,39 @@
             <a:endParaRPr lang="en-US" altLang="zh-CN" dirty="0"/>
           </a:p>
           <a:p>
-            <a:endParaRPr lang="en-US" altLang="zh-CN" dirty="0"/>
-          </a:p>
-          <a:p>
+            <a:pPr>
+              <a:lnSpc>
+                <a:spcPts val="3800"/>
+              </a:lnSpc>
+            </a:pPr>
             <a:r>
               <a:rPr lang="zh-CN" altLang="en-US" dirty="0"/>
               <a:t>个人注册小程序需要身份证进行验证。</a:t>
             </a:r>
+            <a:endParaRPr lang="en-US" altLang="zh-CN" dirty="0"/>
+          </a:p>
+          <a:p>
+            <a:pPr>
+              <a:lnSpc>
+                <a:spcPts val="3800"/>
+              </a:lnSpc>
+            </a:pPr>
+            <a:r>
+              <a:rPr lang="zh-CN" altLang="en-US" dirty="0"/>
+              <a:t>公众平台网址：</a:t>
+            </a:r>
+            <a:r>
+              <a:rPr lang="en-US" altLang="zh-CN" dirty="0"/>
+              <a:t>https://mp.weixin.qq.com</a:t>
+            </a:r>
+          </a:p>
+          <a:p>
+            <a:pPr>
+              <a:lnSpc>
+                <a:spcPts val="3800"/>
+              </a:lnSpc>
+            </a:pPr>
+            <a:endParaRPr lang="en-US" altLang="zh-CN" dirty="0"/>
           </a:p>
         </p:txBody>
       </p:sp>
@@ -4782,46 +4815,103 @@
           <a:p>
             <a:r>
               <a:rPr lang="zh-CN" altLang="en-US" dirty="0"/>
-              <a:t>登录后台管理</a:t>
-            </a:r>
-          </a:p>
-        </p:txBody>
-      </p:sp>
-      <p:sp>
-        <p:nvSpPr>
-          <p:cNvPr id="3" name="内容占位符 2">
-            <a:extLst>
-              <a:ext uri="{FF2B5EF4-FFF2-40B4-BE49-F238E27FC236}">
-                <a16:creationId xmlns:a16="http://schemas.microsoft.com/office/drawing/2014/main" id="{AD61BA7A-6E59-4404-A913-D9774B9C38CB}"/>
-              </a:ext>
-            </a:extLst>
-          </p:cNvPr>
-          <p:cNvSpPr>
-            <a:spLocks noGrp="1"/>
-          </p:cNvSpPr>
+              <a:t>登录</a:t>
+            </a:r>
+            <a:r>
+              <a:rPr lang="en-US" altLang="zh-CN" dirty="0"/>
+              <a:t>/</a:t>
+            </a:r>
+            <a:r>
+              <a:rPr lang="zh-CN" altLang="en-US" dirty="0"/>
+              <a:t>注册</a:t>
+            </a:r>
+          </a:p>
+        </p:txBody>
+      </p:sp>
+      <p:pic>
+        <p:nvPicPr>
+          <p:cNvPr id="5" name="内容占位符 4">
+            <a:extLst>
+              <a:ext uri="{FF2B5EF4-FFF2-40B4-BE49-F238E27FC236}">
+                <a16:creationId xmlns:a16="http://schemas.microsoft.com/office/drawing/2014/main" id="{ADA17DEC-17A5-4BED-A3BA-257180E35BA9}"/>
+              </a:ext>
+            </a:extLst>
+          </p:cNvPr>
+          <p:cNvPicPr>
+            <a:picLocks noGrp="1" noChangeAspect="1"/>
+          </p:cNvPicPr>
           <p:nvPr>
             <p:ph idx="1"/>
           </p:nvPr>
-        </p:nvSpPr>
-        <p:spPr/>
-        <p:txBody>
-          <a:bodyPr/>
-          <a:lstStyle/>
-          <a:p>
-            <a:r>
-              <a:rPr lang="zh-CN" altLang="en-US" dirty="0"/>
-              <a:t>小程序登录入口和公众号一致。</a:t>
-            </a:r>
-            <a:endParaRPr lang="en-US" altLang="zh-CN" dirty="0"/>
-          </a:p>
-          <a:p>
-            <a:endParaRPr lang="en-US" altLang="zh-CN" dirty="0"/>
-          </a:p>
-          <a:p>
-            <a:r>
-              <a:rPr lang="zh-CN" altLang="en-US" dirty="0"/>
-              <a:t>登录以后，会根据账户类型进入不同的页面。</a:t>
-            </a:r>
+        </p:nvPicPr>
+        <p:blipFill>
+          <a:blip r:embed="rId2">
+            <a:extLst>
+              <a:ext uri="{28A0092B-C50C-407E-A947-70E740481C1C}">
+                <a14:useLocalDpi xmlns:a14="http://schemas.microsoft.com/office/drawing/2010/main" val="0"/>
+              </a:ext>
+            </a:extLst>
+          </a:blip>
+          <a:stretch>
+            <a:fillRect/>
+          </a:stretch>
+        </p:blipFill>
+        <p:spPr>
+          <a:xfrm>
+            <a:off x="838200" y="1690687"/>
+            <a:ext cx="10718020" cy="4059481"/>
+          </a:xfrm>
+        </p:spPr>
+      </p:pic>
+      <p:sp>
+        <p:nvSpPr>
+          <p:cNvPr id="6" name="矩形 5">
+            <a:extLst>
+              <a:ext uri="{FF2B5EF4-FFF2-40B4-BE49-F238E27FC236}">
+                <a16:creationId xmlns:a16="http://schemas.microsoft.com/office/drawing/2014/main" id="{22332C9B-FA4D-479D-A5E7-777FB58E3C44}"/>
+              </a:ext>
+            </a:extLst>
+          </p:cNvPr>
+          <p:cNvSpPr/>
+          <p:nvPr/>
+        </p:nvSpPr>
+        <p:spPr>
+          <a:xfrm>
+            <a:off x="8985741" y="1784838"/>
+            <a:ext cx="1213338" cy="545124"/>
+          </a:xfrm>
+          <a:prstGeom prst="rect">
+            <a:avLst/>
+          </a:prstGeom>
+          <a:noFill/>
+          <a:ln>
+            <a:solidFill>
+              <a:srgbClr val="C00000"/>
+            </a:solidFill>
+          </a:ln>
+        </p:spPr>
+        <p:style>
+          <a:lnRef idx="2">
+            <a:schemeClr val="accent1">
+              <a:shade val="50000"/>
+            </a:schemeClr>
+          </a:lnRef>
+          <a:fillRef idx="1">
+            <a:schemeClr val="accent1"/>
+          </a:fillRef>
+          <a:effectRef idx="0">
+            <a:schemeClr val="accent1"/>
+          </a:effectRef>
+          <a:fontRef idx="minor">
+            <a:schemeClr val="lt1"/>
+          </a:fontRef>
+        </p:style>
+        <p:txBody>
+          <a:bodyPr rtlCol="0" anchor="ctr"/>
+          <a:lstStyle/>
+          <a:p>
+            <a:pPr algn="ctr"/>
+            <a:endParaRPr lang="zh-CN" altLang="en-US"/>
           </a:p>
         </p:txBody>
       </p:sp>
@@ -4997,6 +5087,11 @@
           <a:bodyPr/>
           <a:lstStyle/>
           <a:p>
+            <a:pPr>
+              <a:lnSpc>
+                <a:spcPts val="3700"/>
+              </a:lnSpc>
+            </a:pPr>
             <a:r>
               <a:rPr lang="zh-CN" altLang="en-US" dirty="0"/>
               <a:t>以下链接是小程序开发环境的下载地址：</a:t>
@@ -5004,15 +5099,23 @@
             <a:endParaRPr lang="en-US" altLang="zh-CN" dirty="0"/>
           </a:p>
           <a:p>
-            <a:pPr marL="0" indent="0">
+            <a:pPr marL="457200" lvl="1" indent="0">
+              <a:lnSpc>
+                <a:spcPts val="3700"/>
+              </a:lnSpc>
               <a:buNone/>
             </a:pPr>
             <a:r>
-              <a:rPr lang="en-US" altLang="zh-CN" dirty="0"/>
+              <a:rPr lang="en-US" altLang="zh-CN" sz="2000" dirty="0"/>
               <a:t>https://developers.weixin.qq.com/miniprogram/dev/devtools/download.html</a:t>
             </a:r>
           </a:p>
           <a:p>
+            <a:pPr>
+              <a:lnSpc>
+                <a:spcPts val="3700"/>
+              </a:lnSpc>
+            </a:pPr>
             <a:r>
               <a:rPr lang="zh-CN" altLang="en-US" dirty="0"/>
               <a:t>开发者也可以在小程序官方文档点击 ‘工具’ 页面，点击微信开发者工具进行下载。</a:t>
@@ -5020,9 +5123,11 @@
             <a:endParaRPr lang="en-US" altLang="zh-CN" dirty="0"/>
           </a:p>
           <a:p>
-            <a:endParaRPr lang="en-US" altLang="zh-CN" dirty="0"/>
-          </a:p>
-          <a:p>
+            <a:pPr>
+              <a:lnSpc>
+                <a:spcPts val="3700"/>
+              </a:lnSpc>
+            </a:pPr>
             <a:r>
               <a:rPr lang="zh-CN" altLang="en-US" dirty="0"/>
               <a:t>目前提供了</a:t>
